--- a/InfoFinalPPT.pptx
+++ b/InfoFinalPPT.pptx
@@ -115,6 +115,11 @@
       </a:defRPr>
     </a:lvl9pPr>
   </p:defaultTextStyle>
+  <p:extLst>
+    <p:ext uri="{EFAFB233-063F-42B5-8137-9DF3F51BA10A}">
+      <p15:sldGuideLst xmlns:p15="http://schemas.microsoft.com/office/powerpoint/2012/main"/>
+    </p:ext>
+  </p:extLst>
 </p:presentation>
 </file>
 
@@ -3109,7 +3114,7 @@
           <a:p>
             <a:fld id="{3C2B07E4-CDF9-4C88-A2F3-04620E58224D}" type="datetimeFigureOut">
               <a:rPr lang="en-US" smtClean="0"/>
-              <a:t>12/7/2022</a:t>
+              <a:t>12/8/2022</a:t>
             </a:fld>
             <a:endParaRPr lang="en-US"/>
           </a:p>
@@ -3399,7 +3404,7 @@
           <a:p>
             <a:fld id="{3C2B07E4-CDF9-4C88-A2F3-04620E58224D}" type="datetimeFigureOut">
               <a:rPr lang="en-US" smtClean="0"/>
-              <a:t>12/7/2022</a:t>
+              <a:t>12/8/2022</a:t>
             </a:fld>
             <a:endParaRPr lang="en-US"/>
           </a:p>
@@ -3651,7 +3656,7 @@
           <a:p>
             <a:fld id="{3C2B07E4-CDF9-4C88-A2F3-04620E58224D}" type="datetimeFigureOut">
               <a:rPr lang="en-US" smtClean="0"/>
-              <a:t>12/7/2022</a:t>
+              <a:t>12/8/2022</a:t>
             </a:fld>
             <a:endParaRPr lang="en-US"/>
           </a:p>
@@ -3903,7 +3908,7 @@
           <a:p>
             <a:fld id="{3C2B07E4-CDF9-4C88-A2F3-04620E58224D}" type="datetimeFigureOut">
               <a:rPr lang="en-US" smtClean="0"/>
-              <a:t>12/7/2022</a:t>
+              <a:t>12/8/2022</a:t>
             </a:fld>
             <a:endParaRPr lang="en-US"/>
           </a:p>
@@ -4232,7 +4237,7 @@
           <a:p>
             <a:fld id="{3C2B07E4-CDF9-4C88-A2F3-04620E58224D}" type="datetimeFigureOut">
               <a:rPr lang="en-US" smtClean="0"/>
-              <a:t>12/7/2022</a:t>
+              <a:t>12/8/2022</a:t>
             </a:fld>
             <a:endParaRPr lang="en-US"/>
           </a:p>
@@ -4582,7 +4587,7 @@
           <a:p>
             <a:fld id="{3C2B07E4-CDF9-4C88-A2F3-04620E58224D}" type="datetimeFigureOut">
               <a:rPr lang="en-US" smtClean="0"/>
-              <a:t>12/7/2022</a:t>
+              <a:t>12/8/2022</a:t>
             </a:fld>
             <a:endParaRPr lang="en-US"/>
           </a:p>
@@ -5094,7 +5099,7 @@
           <a:p>
             <a:fld id="{3C2B07E4-CDF9-4C88-A2F3-04620E58224D}" type="datetimeFigureOut">
               <a:rPr lang="en-US" smtClean="0"/>
-              <a:t>12/7/2022</a:t>
+              <a:t>12/8/2022</a:t>
             </a:fld>
             <a:endParaRPr lang="en-US"/>
           </a:p>
@@ -5422,7 +5427,7 @@
           <a:p>
             <a:fld id="{3C2B07E4-CDF9-4C88-A2F3-04620E58224D}" type="datetimeFigureOut">
               <a:rPr lang="en-US" smtClean="0"/>
-              <a:t>12/7/2022</a:t>
+              <a:t>12/8/2022</a:t>
             </a:fld>
             <a:endParaRPr lang="en-US"/>
           </a:p>
@@ -5535,7 +5540,7 @@
           <a:p>
             <a:fld id="{3C2B07E4-CDF9-4C88-A2F3-04620E58224D}" type="datetimeFigureOut">
               <a:rPr lang="en-US" smtClean="0"/>
-              <a:t>12/7/2022</a:t>
+              <a:t>12/8/2022</a:t>
             </a:fld>
             <a:endParaRPr lang="en-US"/>
           </a:p>
@@ -5876,7 +5881,7 @@
           <a:p>
             <a:fld id="{3C2B07E4-CDF9-4C88-A2F3-04620E58224D}" type="datetimeFigureOut">
               <a:rPr lang="en-US" smtClean="0"/>
-              <a:t>12/7/2022</a:t>
+              <a:t>12/8/2022</a:t>
             </a:fld>
             <a:endParaRPr lang="en-US"/>
           </a:p>
@@ -6176,7 +6181,7 @@
           <a:p>
             <a:fld id="{3C2B07E4-CDF9-4C88-A2F3-04620E58224D}" type="datetimeFigureOut">
               <a:rPr lang="en-US" smtClean="0"/>
-              <a:t>12/7/2022</a:t>
+              <a:t>12/8/2022</a:t>
             </a:fld>
             <a:endParaRPr lang="en-US"/>
           </a:p>
@@ -6416,7 +6421,7 @@
             <a:fld id="{3C2B07E4-CDF9-4C88-A2F3-04620E58224D}" type="datetimeFigureOut">
               <a:rPr lang="en-US" smtClean="0"/>
               <a:pPr/>
-              <a:t>12/7/2022</a:t>
+              <a:t>12/8/2022</a:t>
             </a:fld>
             <a:endParaRPr lang="en-US" dirty="0"/>
           </a:p>
@@ -7375,31 +7380,35 @@
           </a:p>
         </p:txBody>
       </p:sp>
-      <p:sp>
-        <p:nvSpPr>
-          <p:cNvPr id="3" name="Content Placeholder 2">
-            <a:extLst>
-              <a:ext uri="{FF2B5EF4-FFF2-40B4-BE49-F238E27FC236}">
-                <a16:creationId xmlns:a16="http://schemas.microsoft.com/office/drawing/2014/main" id="{1170961A-04B8-8E31-C70F-EAB101A8E901}"/>
-              </a:ext>
-            </a:extLst>
-          </p:cNvPr>
-          <p:cNvSpPr>
-            <a:spLocks noGrp="1"/>
-          </p:cNvSpPr>
+      <p:pic>
+        <p:nvPicPr>
+          <p:cNvPr id="5" name="Content Placeholder 4">
+            <a:extLst>
+              <a:ext uri="{FF2B5EF4-FFF2-40B4-BE49-F238E27FC236}">
+                <a16:creationId xmlns:a16="http://schemas.microsoft.com/office/drawing/2014/main" id="{47D7E019-2235-961E-EBEE-D0DC12DF3B5E}"/>
+              </a:ext>
+            </a:extLst>
+          </p:cNvPr>
+          <p:cNvPicPr>
+            <a:picLocks noGrp="1" noChangeAspect="1"/>
+          </p:cNvPicPr>
           <p:nvPr>
             <p:ph idx="1"/>
           </p:nvPr>
-        </p:nvSpPr>
-        <p:spPr/>
-        <p:txBody>
-          <a:bodyPr/>
-          <a:lstStyle/>
-          <a:p>
-            <a:endParaRPr lang="en-US"/>
-          </a:p>
-        </p:txBody>
-      </p:sp>
+        </p:nvPicPr>
+        <p:blipFill>
+          <a:blip r:embed="rId2"/>
+          <a:stretch>
+            <a:fillRect/>
+          </a:stretch>
+        </p:blipFill>
+        <p:spPr>
+          <a:xfrm>
+            <a:off x="4084830" y="2286000"/>
+            <a:ext cx="3928678" cy="3810000"/>
+          </a:xfrm>
+        </p:spPr>
+      </p:pic>
     </p:spTree>
     <p:extLst>
       <p:ext uri="{BB962C8B-B14F-4D97-AF65-F5344CB8AC3E}">
@@ -7458,31 +7467,41 @@
           </a:p>
         </p:txBody>
       </p:sp>
-      <p:sp>
-        <p:nvSpPr>
-          <p:cNvPr id="3" name="Content Placeholder 2">
-            <a:extLst>
-              <a:ext uri="{FF2B5EF4-FFF2-40B4-BE49-F238E27FC236}">
-                <a16:creationId xmlns:a16="http://schemas.microsoft.com/office/drawing/2014/main" id="{1170961A-04B8-8E31-C70F-EAB101A8E901}"/>
-              </a:ext>
-            </a:extLst>
-          </p:cNvPr>
-          <p:cNvSpPr>
-            <a:spLocks noGrp="1"/>
-          </p:cNvSpPr>
+      <p:pic>
+        <p:nvPicPr>
+          <p:cNvPr id="19" name="Content Placeholder 18" descr="Graphical user interface, website&#10;&#10;Description automatically generated">
+            <a:extLst>
+              <a:ext uri="{FF2B5EF4-FFF2-40B4-BE49-F238E27FC236}">
+                <a16:creationId xmlns:a16="http://schemas.microsoft.com/office/drawing/2014/main" id="{F54A4778-AF1A-0A47-121E-F8557C848D6F}"/>
+              </a:ext>
+            </a:extLst>
+          </p:cNvPr>
+          <p:cNvPicPr>
+            <a:picLocks noGrp="1" noChangeAspect="1"/>
+          </p:cNvPicPr>
           <p:nvPr>
             <p:ph idx="1"/>
           </p:nvPr>
-        </p:nvSpPr>
-        <p:spPr/>
-        <p:txBody>
-          <a:bodyPr/>
-          <a:lstStyle/>
-          <a:p>
-            <a:endParaRPr lang="en-US"/>
-          </a:p>
-        </p:txBody>
-      </p:sp>
+        </p:nvPicPr>
+        <p:blipFill>
+          <a:blip r:embed="rId2">
+            <a:extLst>
+              <a:ext uri="{28A0092B-C50C-407E-A947-70E740481C1C}">
+                <a14:useLocalDpi xmlns:a14="http://schemas.microsoft.com/office/drawing/2010/main" val="0"/>
+              </a:ext>
+            </a:extLst>
+          </a:blip>
+          <a:stretch>
+            <a:fillRect/>
+          </a:stretch>
+        </p:blipFill>
+        <p:spPr>
+          <a:xfrm>
+            <a:off x="2239169" y="2286000"/>
+            <a:ext cx="7620000" cy="3810000"/>
+          </a:xfrm>
+        </p:spPr>
+      </p:pic>
     </p:spTree>
     <p:extLst>
       <p:ext uri="{BB962C8B-B14F-4D97-AF65-F5344CB8AC3E}">
@@ -7541,31 +7560,35 @@
           </a:p>
         </p:txBody>
       </p:sp>
-      <p:sp>
-        <p:nvSpPr>
-          <p:cNvPr id="3" name="Content Placeholder 2">
-            <a:extLst>
-              <a:ext uri="{FF2B5EF4-FFF2-40B4-BE49-F238E27FC236}">
-                <a16:creationId xmlns:a16="http://schemas.microsoft.com/office/drawing/2014/main" id="{1170961A-04B8-8E31-C70F-EAB101A8E901}"/>
-              </a:ext>
-            </a:extLst>
-          </p:cNvPr>
-          <p:cNvSpPr>
-            <a:spLocks noGrp="1"/>
-          </p:cNvSpPr>
+      <p:pic>
+        <p:nvPicPr>
+          <p:cNvPr id="7" name="Content Placeholder 6">
+            <a:extLst>
+              <a:ext uri="{FF2B5EF4-FFF2-40B4-BE49-F238E27FC236}">
+                <a16:creationId xmlns:a16="http://schemas.microsoft.com/office/drawing/2014/main" id="{97CA87F5-8228-1BF2-54A2-3E0EBB900133}"/>
+              </a:ext>
+            </a:extLst>
+          </p:cNvPr>
+          <p:cNvPicPr>
+            <a:picLocks noGrp="1" noChangeAspect="1"/>
+          </p:cNvPicPr>
           <p:nvPr>
             <p:ph idx="1"/>
           </p:nvPr>
-        </p:nvSpPr>
-        <p:spPr/>
-        <p:txBody>
-          <a:bodyPr/>
-          <a:lstStyle/>
-          <a:p>
-            <a:endParaRPr lang="en-US"/>
-          </a:p>
-        </p:txBody>
-      </p:sp>
+        </p:nvPicPr>
+        <p:blipFill>
+          <a:blip r:embed="rId2"/>
+          <a:stretch>
+            <a:fillRect/>
+          </a:stretch>
+        </p:blipFill>
+        <p:spPr>
+          <a:xfrm>
+            <a:off x="3417802" y="2286000"/>
+            <a:ext cx="5262733" cy="3810000"/>
+          </a:xfrm>
+        </p:spPr>
+      </p:pic>
     </p:spTree>
     <p:extLst>
       <p:ext uri="{BB962C8B-B14F-4D97-AF65-F5344CB8AC3E}">
@@ -9036,31 +9059,35 @@
           </a:p>
         </p:txBody>
       </p:sp>
-      <p:sp>
-        <p:nvSpPr>
-          <p:cNvPr id="3" name="Content Placeholder 2">
-            <a:extLst>
-              <a:ext uri="{FF2B5EF4-FFF2-40B4-BE49-F238E27FC236}">
-                <a16:creationId xmlns:a16="http://schemas.microsoft.com/office/drawing/2014/main" id="{1170961A-04B8-8E31-C70F-EAB101A8E901}"/>
-              </a:ext>
-            </a:extLst>
-          </p:cNvPr>
-          <p:cNvSpPr>
-            <a:spLocks noGrp="1"/>
-          </p:cNvSpPr>
+      <p:pic>
+        <p:nvPicPr>
+          <p:cNvPr id="5" name="Content Placeholder 4">
+            <a:extLst>
+              <a:ext uri="{FF2B5EF4-FFF2-40B4-BE49-F238E27FC236}">
+                <a16:creationId xmlns:a16="http://schemas.microsoft.com/office/drawing/2014/main" id="{7CFFA177-B6D2-65DB-C301-D9A8A99C109E}"/>
+              </a:ext>
+            </a:extLst>
+          </p:cNvPr>
+          <p:cNvPicPr>
+            <a:picLocks noGrp="1" noChangeAspect="1"/>
+          </p:cNvPicPr>
           <p:nvPr>
             <p:ph idx="1"/>
           </p:nvPr>
-        </p:nvSpPr>
-        <p:spPr/>
-        <p:txBody>
-          <a:bodyPr/>
-          <a:lstStyle/>
-          <a:p>
-            <a:endParaRPr lang="en-US"/>
-          </a:p>
-        </p:txBody>
-      </p:sp>
+        </p:nvPicPr>
+        <p:blipFill>
+          <a:blip r:embed="rId2"/>
+          <a:stretch>
+            <a:fillRect/>
+          </a:stretch>
+        </p:blipFill>
+        <p:spPr>
+          <a:xfrm>
+            <a:off x="3982720" y="1903004"/>
+            <a:ext cx="4023360" cy="4528276"/>
+          </a:xfrm>
+        </p:spPr>
+      </p:pic>
     </p:spTree>
     <p:extLst>
       <p:ext uri="{BB962C8B-B14F-4D97-AF65-F5344CB8AC3E}">
@@ -9114,44 +9141,46 @@
           <a:p>
             <a:r>
               <a:rPr lang="en-US" dirty="0"/>
-              <a:t>USER </a:t>
-            </a:r>
-            <a:r>
-              <a:rPr lang="en-US" dirty="0" err="1"/>
-              <a:t>DAShBoard</a:t>
-            </a:r>
-            <a:r>
-              <a:rPr lang="en-US" dirty="0"/>
-              <a:t> page</a:t>
+              <a:t>Explore page</a:t>
             </a:r>
           </a:p>
         </p:txBody>
       </p:sp>
-      <p:sp>
-        <p:nvSpPr>
-          <p:cNvPr id="3" name="Content Placeholder 2">
-            <a:extLst>
-              <a:ext uri="{FF2B5EF4-FFF2-40B4-BE49-F238E27FC236}">
-                <a16:creationId xmlns:a16="http://schemas.microsoft.com/office/drawing/2014/main" id="{1170961A-04B8-8E31-C70F-EAB101A8E901}"/>
-              </a:ext>
-            </a:extLst>
-          </p:cNvPr>
-          <p:cNvSpPr>
-            <a:spLocks noGrp="1"/>
-          </p:cNvSpPr>
+      <p:pic>
+        <p:nvPicPr>
+          <p:cNvPr id="5" name="Content Placeholder 4" descr="Graphical user interface, website&#10;&#10;Description automatically generated">
+            <a:extLst>
+              <a:ext uri="{FF2B5EF4-FFF2-40B4-BE49-F238E27FC236}">
+                <a16:creationId xmlns:a16="http://schemas.microsoft.com/office/drawing/2014/main" id="{0646AB99-8A31-A6CA-BDB9-34B1674253B7}"/>
+              </a:ext>
+            </a:extLst>
+          </p:cNvPr>
+          <p:cNvPicPr>
+            <a:picLocks noGrp="1" noChangeAspect="1"/>
+          </p:cNvPicPr>
           <p:nvPr>
             <p:ph idx="1"/>
           </p:nvPr>
-        </p:nvSpPr>
-        <p:spPr/>
-        <p:txBody>
-          <a:bodyPr/>
-          <a:lstStyle/>
-          <a:p>
-            <a:endParaRPr lang="en-US"/>
-          </a:p>
-        </p:txBody>
-      </p:sp>
+        </p:nvPicPr>
+        <p:blipFill>
+          <a:blip r:embed="rId2">
+            <a:extLst>
+              <a:ext uri="{28A0092B-C50C-407E-A947-70E740481C1C}">
+                <a14:useLocalDpi xmlns:a14="http://schemas.microsoft.com/office/drawing/2010/main" val="0"/>
+              </a:ext>
+            </a:extLst>
+          </a:blip>
+          <a:stretch>
+            <a:fillRect/>
+          </a:stretch>
+        </p:blipFill>
+        <p:spPr>
+          <a:xfrm>
+            <a:off x="2239169" y="2286000"/>
+            <a:ext cx="7620000" cy="3810000"/>
+          </a:xfrm>
+        </p:spPr>
+      </p:pic>
     </p:spTree>
     <p:extLst>
       <p:ext uri="{BB962C8B-B14F-4D97-AF65-F5344CB8AC3E}">
@@ -9210,31 +9239,41 @@
           </a:p>
         </p:txBody>
       </p:sp>
-      <p:sp>
-        <p:nvSpPr>
-          <p:cNvPr id="3" name="Content Placeholder 2">
-            <a:extLst>
-              <a:ext uri="{FF2B5EF4-FFF2-40B4-BE49-F238E27FC236}">
-                <a16:creationId xmlns:a16="http://schemas.microsoft.com/office/drawing/2014/main" id="{1170961A-04B8-8E31-C70F-EAB101A8E901}"/>
-              </a:ext>
-            </a:extLst>
-          </p:cNvPr>
-          <p:cNvSpPr>
-            <a:spLocks noGrp="1"/>
-          </p:cNvSpPr>
+      <p:pic>
+        <p:nvPicPr>
+          <p:cNvPr id="4" name="Content Placeholder 14" descr="Graphical user interface, website&#10;&#10;Description automatically generated">
+            <a:extLst>
+              <a:ext uri="{FF2B5EF4-FFF2-40B4-BE49-F238E27FC236}">
+                <a16:creationId xmlns:a16="http://schemas.microsoft.com/office/drawing/2014/main" id="{6E8BC4C5-9AC9-7884-CE83-1C23E5E147BC}"/>
+              </a:ext>
+            </a:extLst>
+          </p:cNvPr>
+          <p:cNvPicPr>
+            <a:picLocks noGrp="1" noChangeAspect="1"/>
+          </p:cNvPicPr>
           <p:nvPr>
             <p:ph idx="1"/>
           </p:nvPr>
-        </p:nvSpPr>
-        <p:spPr/>
-        <p:txBody>
-          <a:bodyPr/>
-          <a:lstStyle/>
-          <a:p>
-            <a:endParaRPr lang="en-US"/>
-          </a:p>
-        </p:txBody>
-      </p:sp>
+        </p:nvPicPr>
+        <p:blipFill>
+          <a:blip r:embed="rId2">
+            <a:extLst>
+              <a:ext uri="{28A0092B-C50C-407E-A947-70E740481C1C}">
+                <a14:useLocalDpi xmlns:a14="http://schemas.microsoft.com/office/drawing/2010/main" val="0"/>
+              </a:ext>
+            </a:extLst>
+          </a:blip>
+          <a:stretch>
+            <a:fillRect/>
+          </a:stretch>
+        </p:blipFill>
+        <p:spPr>
+          <a:xfrm>
+            <a:off x="2251038" y="2286000"/>
+            <a:ext cx="7596261" cy="3810000"/>
+          </a:xfrm>
+        </p:spPr>
+      </p:pic>
     </p:spTree>
     <p:extLst>
       <p:ext uri="{BB962C8B-B14F-4D97-AF65-F5344CB8AC3E}">
@@ -9293,31 +9332,35 @@
           </a:p>
         </p:txBody>
       </p:sp>
-      <p:sp>
-        <p:nvSpPr>
-          <p:cNvPr id="3" name="Content Placeholder 2">
-            <a:extLst>
-              <a:ext uri="{FF2B5EF4-FFF2-40B4-BE49-F238E27FC236}">
-                <a16:creationId xmlns:a16="http://schemas.microsoft.com/office/drawing/2014/main" id="{1170961A-04B8-8E31-C70F-EAB101A8E901}"/>
-              </a:ext>
-            </a:extLst>
-          </p:cNvPr>
-          <p:cNvSpPr>
-            <a:spLocks noGrp="1"/>
-          </p:cNvSpPr>
+      <p:pic>
+        <p:nvPicPr>
+          <p:cNvPr id="5" name="Content Placeholder 4">
+            <a:extLst>
+              <a:ext uri="{FF2B5EF4-FFF2-40B4-BE49-F238E27FC236}">
+                <a16:creationId xmlns:a16="http://schemas.microsoft.com/office/drawing/2014/main" id="{12E5F3B7-E8FB-D0C5-830D-31C5821DD65F}"/>
+              </a:ext>
+            </a:extLst>
+          </p:cNvPr>
+          <p:cNvPicPr>
+            <a:picLocks noGrp="1" noChangeAspect="1"/>
+          </p:cNvPicPr>
           <p:nvPr>
             <p:ph idx="1"/>
           </p:nvPr>
-        </p:nvSpPr>
-        <p:spPr/>
-        <p:txBody>
-          <a:bodyPr/>
-          <a:lstStyle/>
-          <a:p>
-            <a:endParaRPr lang="en-US"/>
-          </a:p>
-        </p:txBody>
-      </p:sp>
+        </p:nvPicPr>
+        <p:blipFill>
+          <a:blip r:embed="rId2"/>
+          <a:stretch>
+            <a:fillRect/>
+          </a:stretch>
+        </p:blipFill>
+        <p:spPr>
+          <a:xfrm>
+            <a:off x="3180080" y="1903004"/>
+            <a:ext cx="5435599" cy="4192996"/>
+          </a:xfrm>
+        </p:spPr>
+      </p:pic>
     </p:spTree>
     <p:extLst>
       <p:ext uri="{BB962C8B-B14F-4D97-AF65-F5344CB8AC3E}">
